--- a/Web CRM Customer Search Design.pptx
+++ b/Web CRM Customer Search Design.pptx
@@ -10,6 +10,7 @@
     <p:sldId id="260" r:id="rId5"/>
     <p:sldId id="257" r:id="rId6"/>
     <p:sldId id="258" r:id="rId7"/>
+    <p:sldId id="263" r:id="rId8"/>
   </p:sldIdLst>
   <p:sldSz cx="12192000" cy="6858000"/>
   <p:notesSz cx="6858000" cy="9144000"/>
@@ -3006,6 +3007,17 @@
               <a:buFont typeface="Arial" charset="0"/>
               <a:buChar char="•"/>
             </a:pPr>
+            <a:r>
+              <a:rPr lang="en-GB" altLang="en-US" sz="2000"/>
+              <a:t>SOA Web Service call on “Submit” buton click</a:t>
+            </a:r>
+            <a:endParaRPr lang="en-GB" altLang="en-US" sz="2000"/>
+          </a:p>
+          <a:p>
+            <a:pPr marL="342900" lvl="0" indent="-342900" algn="l">
+              <a:buFont typeface="Arial" charset="0"/>
+              <a:buChar char="•"/>
+            </a:pPr>
             <a:endParaRPr lang="en-GB" altLang="en-US" sz="2000"/>
           </a:p>
         </p:txBody>
@@ -3040,22 +3052,22 @@
         </p:nvSpPr>
         <p:spPr>
           <a:xfrm>
-            <a:off x="838200" y="365125"/>
-            <a:ext cx="10515600" cy="1084580"/>
+            <a:off x="838200" y="151765"/>
+            <a:ext cx="10515600" cy="718820"/>
           </a:xfrm>
         </p:spPr>
         <p:txBody>
           <a:bodyPr/>
           <a:p>
             <a:r>
-              <a:rPr lang="en-GB" altLang="en-US" sz="3200">
+              <a:rPr lang="en-GB" altLang="en-US" sz="3200" b="1">
                 <a:solidFill>
                   <a:srgbClr val="00B050"/>
                 </a:solidFill>
               </a:rPr>
               <a:t>UX design extract from a real-life web solution</a:t>
             </a:r>
-            <a:endParaRPr lang="en-GB" altLang="en-US" sz="3200">
+            <a:endParaRPr lang="en-GB" altLang="en-US" sz="3200" b="1">
               <a:solidFill>
                 <a:srgbClr val="00B050"/>
               </a:solidFill>
@@ -3079,7 +3091,7 @@
         </p:spPr>
         <p:txBody>
           <a:bodyPr>
-            <a:normAutofit fontScale="90000"/>
+            <a:normAutofit fontScale="90000" lnSpcReduction="10000"/>
           </a:bodyPr>
           <a:p>
             <a:pPr marL="0" indent="0">
@@ -3206,6 +3218,14 @@
             <a:r>
               <a:rPr lang="en-GB" altLang="en-US" sz="2000"/>
               <a:t>Screen/field validations of customer search screen only.</a:t>
+            </a:r>
+            <a:endParaRPr lang="en-GB" altLang="en-US" sz="2000"/>
+          </a:p>
+          <a:p>
+            <a:pPr marL="342900" indent="-342900"/>
+            <a:r>
+              <a:rPr lang="en-GB" altLang="en-US" sz="2000"/>
+              <a:t>SOA Web Service Request-Response call on “Submit” button click.</a:t>
             </a:r>
             <a:endParaRPr lang="en-GB" altLang="en-US" sz="2000"/>
           </a:p>
@@ -3249,14 +3269,14 @@
           <a:bodyPr/>
           <a:p>
             <a:r>
-              <a:rPr lang="en-GB" altLang="en-US" sz="3200">
+              <a:rPr lang="en-GB" altLang="en-US" sz="3200" b="1">
                 <a:solidFill>
                   <a:srgbClr val="00B050"/>
                 </a:solidFill>
               </a:rPr>
               <a:t>UX Sitemap</a:t>
             </a:r>
-            <a:endParaRPr lang="en-GB" altLang="en-US" sz="3200">
+            <a:endParaRPr lang="en-GB" altLang="en-US" sz="3200" b="1">
               <a:solidFill>
                 <a:srgbClr val="00B050"/>
               </a:solidFill>
@@ -3698,7 +3718,7 @@
           </a:bodyPr>
           <a:p>
             <a:r>
-              <a:rPr lang="en-GB" altLang="en-US" sz="3200">
+              <a:rPr lang="en-GB" altLang="en-US" sz="3200" b="1">
                 <a:solidFill>
                   <a:srgbClr val="00B050"/>
                 </a:solidFill>
@@ -3706,21 +3726,21 @@
               <a:t>Wireframe Screen Mock Up</a:t>
             </a:r>
             <a:br>
-              <a:rPr lang="en-GB" altLang="en-US" sz="3200">
+              <a:rPr lang="en-GB" altLang="en-US" sz="3200" b="1">
                 <a:solidFill>
                   <a:srgbClr val="00B050"/>
                 </a:solidFill>
               </a:rPr>
             </a:br>
             <a:r>
-              <a:rPr lang="en-GB" altLang="en-US" sz="3200">
+              <a:rPr lang="en-GB" altLang="en-US" sz="3200" b="1">
                 <a:solidFill>
                   <a:srgbClr val="00B050"/>
                 </a:solidFill>
               </a:rPr>
               <a:t>Screen Name: Customer Search</a:t>
             </a:r>
-            <a:endParaRPr lang="en-GB" altLang="en-US" sz="3200">
+            <a:endParaRPr lang="en-GB" altLang="en-US" sz="3200" b="1">
               <a:solidFill>
                 <a:srgbClr val="00B050"/>
               </a:solidFill>
@@ -3794,7 +3814,7 @@
           </a:bodyPr>
           <a:p>
             <a:r>
-              <a:rPr lang="en-GB" altLang="en-US" sz="3200">
+              <a:rPr lang="en-GB" altLang="en-US" sz="3200" b="1">
                 <a:solidFill>
                   <a:srgbClr val="00B050"/>
                 </a:solidFill>
@@ -3802,21 +3822,21 @@
               <a:t>Wireframe Screen/Field Validations</a:t>
             </a:r>
             <a:br>
-              <a:rPr lang="en-GB" altLang="en-US" sz="3200">
+              <a:rPr lang="en-GB" altLang="en-US" sz="3200" b="1">
                 <a:solidFill>
                   <a:srgbClr val="00B050"/>
                 </a:solidFill>
               </a:rPr>
             </a:br>
             <a:r>
-              <a:rPr lang="en-GB" altLang="en-US" sz="3200">
+              <a:rPr lang="en-GB" altLang="en-US" sz="3200" b="1">
                 <a:solidFill>
                   <a:srgbClr val="00B050"/>
                 </a:solidFill>
               </a:rPr>
               <a:t>Screen Name: Customer Search</a:t>
             </a:r>
-            <a:endParaRPr lang="en-GB" altLang="en-US" sz="3200">
+            <a:endParaRPr lang="en-GB" altLang="en-US" sz="3200" b="1">
               <a:solidFill>
                 <a:srgbClr val="00B050"/>
               </a:solidFill>
@@ -5747,6 +5767,219 @@
           </a:graphicData>
         </a:graphic>
       </p:graphicFrame>
+    </p:spTree>
+  </p:cSld>
+  <p:clrMapOvr>
+    <a:masterClrMapping/>
+  </p:clrMapOvr>
+</p:sld>
+</file>
+
+<file path=ppt/slides/slide6.xml><?xml version="1.0" encoding="utf-8"?>
+<p:sld xmlns:a="http://schemas.openxmlformats.org/drawingml/2006/main" xmlns:r="http://schemas.openxmlformats.org/officeDocument/2006/relationships" xmlns:p="http://schemas.openxmlformats.org/presentationml/2006/main">
+  <p:cSld>
+    <p:spTree>
+      <p:nvGrpSpPr>
+        <p:cNvPr id="1" name=""/>
+        <p:cNvGrpSpPr/>
+        <p:nvPr/>
+      </p:nvGrpSpPr>
+      <p:grpSpPr/>
+      <p:sp>
+        <p:nvSpPr>
+          <p:cNvPr id="2" name="Title 1"/>
+          <p:cNvSpPr>
+            <a:spLocks noGrp="1"/>
+          </p:cNvSpPr>
+          <p:nvPr>
+            <p:ph type="title"/>
+          </p:nvPr>
+        </p:nvSpPr>
+        <p:spPr>
+          <a:xfrm>
+            <a:off x="81280" y="29210"/>
+            <a:ext cx="11932285" cy="511175"/>
+          </a:xfrm>
+        </p:spPr>
+        <p:txBody>
+          <a:bodyPr>
+            <a:noAutofit/>
+          </a:bodyPr>
+          <a:p>
+            <a:r>
+              <a:rPr lang="en-GB" altLang="en-US" sz="2800" b="1">
+                <a:solidFill>
+                  <a:srgbClr val="00B050"/>
+                </a:solidFill>
+              </a:rPr>
+              <a:t>Synchronous Request-Response Web Service call </a:t>
+            </a:r>
+            <a:endParaRPr lang="en-GB" altLang="en-US" sz="2800" b="1">
+              <a:solidFill>
+                <a:srgbClr val="00B050"/>
+              </a:solidFill>
+              <a:sym typeface="+mn-ea"/>
+            </a:endParaRPr>
+          </a:p>
+        </p:txBody>
+      </p:sp>
+      <p:pic>
+        <p:nvPicPr>
+          <p:cNvPr id="4" name="Content Placeholder 3" descr="UX Screen Mock Up Example"/>
+          <p:cNvPicPr>
+            <a:picLocks noChangeAspect="1"/>
+          </p:cNvPicPr>
+          <p:nvPr>
+            <p:ph idx="1"/>
+          </p:nvPr>
+        </p:nvPicPr>
+        <p:blipFill>
+          <a:blip r:embed="rId1"/>
+          <a:stretch>
+            <a:fillRect/>
+          </a:stretch>
+        </p:blipFill>
+        <p:spPr>
+          <a:xfrm>
+            <a:off x="127000" y="2205355"/>
+            <a:ext cx="11986260" cy="4572000"/>
+          </a:xfrm>
+          <a:prstGeom prst="rect">
+            <a:avLst/>
+          </a:prstGeom>
+        </p:spPr>
+      </p:pic>
+      <p:sp>
+        <p:nvSpPr>
+          <p:cNvPr id="6" name="Text Box 5"/>
+          <p:cNvSpPr txBox="1"/>
+          <p:nvPr/>
+        </p:nvSpPr>
+        <p:spPr>
+          <a:xfrm>
+            <a:off x="58420" y="575310"/>
+            <a:ext cx="12053570" cy="1465580"/>
+          </a:xfrm>
+          <a:prstGeom prst="rect">
+            <a:avLst/>
+          </a:prstGeom>
+          <a:noFill/>
+        </p:spPr>
+        <p:txBody>
+          <a:bodyPr wrap="square" rtlCol="0">
+            <a:spAutoFit/>
+          </a:bodyPr>
+          <a:p>
+            <a:r>
+              <a:rPr lang="en-GB" altLang="en-US">
+                <a:sym typeface="+mn-ea"/>
+              </a:rPr>
+              <a:t>Customer search by one or more parameters to display customer search results within a few seconds of clicking the “Search” button. A synchronous web service call expecting a response in seconds of placing the request.</a:t>
+            </a:r>
+            <a:endParaRPr lang="en-GB" altLang="en-US">
+              <a:sym typeface="+mn-ea"/>
+            </a:endParaRPr>
+          </a:p>
+          <a:p>
+            <a:pPr marL="0" indent="0">
+              <a:buNone/>
+            </a:pPr>
+            <a:endParaRPr lang="en-GB" altLang="en-US">
+              <a:sym typeface="+mn-ea"/>
+            </a:endParaRPr>
+          </a:p>
+          <a:p>
+            <a:pPr marL="0" indent="0">
+              <a:buNone/>
+            </a:pPr>
+            <a:r>
+              <a:rPr lang="en-GB" altLang="en-US">
+                <a:sym typeface="+mn-ea"/>
+              </a:rPr>
+              <a:t>Clicking on “Search” button from web screen of CRM invokes </a:t>
+            </a:r>
+            <a:r>
+              <a:rPr lang="en-GB" altLang="en-US">
+                <a:solidFill>
+                  <a:srgbClr val="00B050"/>
+                </a:solidFill>
+                <a:sym typeface="+mn-ea"/>
+              </a:rPr>
+              <a:t>customerSearch (String customerName, String postCode, String businessName, String correspondenceRefNo)</a:t>
+            </a:r>
+            <a:r>
+              <a:rPr lang="en-GB" altLang="en-US">
+                <a:solidFill>
+                  <a:schemeClr val="accent5"/>
+                </a:solidFill>
+                <a:sym typeface="+mn-ea"/>
+              </a:rPr>
+              <a:t> </a:t>
+            </a:r>
+            <a:r>
+              <a:rPr lang="en-GB" altLang="en-US">
+                <a:solidFill>
+                  <a:schemeClr val="tx1"/>
+                </a:solidFill>
+                <a:sym typeface="+mn-ea"/>
+              </a:rPr>
+              <a:t>returns an array of customers who match the search criteria.</a:t>
+            </a:r>
+            <a:endParaRPr lang="en-GB" altLang="en-US">
+              <a:solidFill>
+                <a:schemeClr val="tx1"/>
+              </a:solidFill>
+              <a:sym typeface="+mn-ea"/>
+            </a:endParaRPr>
+          </a:p>
+        </p:txBody>
+      </p:sp>
+      <p:sp>
+        <p:nvSpPr>
+          <p:cNvPr id="8" name="Curved Left Arrow 7"/>
+          <p:cNvSpPr/>
+          <p:nvPr/>
+        </p:nvSpPr>
+        <p:spPr>
+          <a:xfrm>
+            <a:off x="11146790" y="1788160"/>
+            <a:ext cx="730885" cy="3424555"/>
+          </a:xfrm>
+          <a:prstGeom prst="curvedLeftArrow">
+            <a:avLst/>
+          </a:prstGeom>
+          <a:solidFill>
+            <a:schemeClr val="accent6"/>
+          </a:solidFill>
+        </p:spPr>
+        <p:style>
+          <a:lnRef idx="2">
+            <a:schemeClr val="accent1">
+              <a:shade val="50000"/>
+            </a:schemeClr>
+          </a:lnRef>
+          <a:fillRef idx="1">
+            <a:schemeClr val="accent1"/>
+          </a:fillRef>
+          <a:effectRef idx="0">
+            <a:schemeClr val="accent1"/>
+          </a:effectRef>
+          <a:fontRef idx="minor">
+            <a:schemeClr val="lt1"/>
+          </a:fontRef>
+        </p:style>
+        <p:txBody>
+          <a:bodyPr rtlCol="0" anchor="ctr"/>
+          <a:p>
+            <a:pPr algn="ctr"/>
+            <a:endParaRPr lang="en-US">
+              <a:solidFill>
+                <a:schemeClr val="tx1"/>
+              </a:solidFill>
+            </a:endParaRPr>
+          </a:p>
+        </p:txBody>
+      </p:sp>
     </p:spTree>
   </p:cSld>
   <p:clrMapOvr>
